--- a/talk.pptx
+++ b/talk.pptx
@@ -5,7 +5,7 @@
     <p:sldMasterId id="2147483648" r:id="rId1"/>
   </p:sldMasterIdLst>
   <p:notesMasterIdLst>
-    <p:notesMasterId r:id="rId26"/>
+    <p:notesMasterId r:id="rId27"/>
   </p:notesMasterIdLst>
   <p:sldIdLst>
     <p:sldId id="256" r:id="rId2"/>
@@ -18,20 +18,21 @@
     <p:sldId id="264" r:id="rId9"/>
     <p:sldId id="265" r:id="rId10"/>
     <p:sldId id="266" r:id="rId11"/>
-    <p:sldId id="267" r:id="rId12"/>
-    <p:sldId id="270" r:id="rId13"/>
-    <p:sldId id="271" r:id="rId14"/>
-    <p:sldId id="268" r:id="rId15"/>
-    <p:sldId id="272" r:id="rId16"/>
-    <p:sldId id="269" r:id="rId17"/>
-    <p:sldId id="274" r:id="rId18"/>
-    <p:sldId id="273" r:id="rId19"/>
-    <p:sldId id="275" r:id="rId20"/>
-    <p:sldId id="276" r:id="rId21"/>
-    <p:sldId id="277" r:id="rId22"/>
-    <p:sldId id="278" r:id="rId23"/>
-    <p:sldId id="279" r:id="rId24"/>
-    <p:sldId id="280" r:id="rId25"/>
+    <p:sldId id="281" r:id="rId12"/>
+    <p:sldId id="267" r:id="rId13"/>
+    <p:sldId id="270" r:id="rId14"/>
+    <p:sldId id="271" r:id="rId15"/>
+    <p:sldId id="268" r:id="rId16"/>
+    <p:sldId id="272" r:id="rId17"/>
+    <p:sldId id="269" r:id="rId18"/>
+    <p:sldId id="274" r:id="rId19"/>
+    <p:sldId id="273" r:id="rId20"/>
+    <p:sldId id="275" r:id="rId21"/>
+    <p:sldId id="276" r:id="rId22"/>
+    <p:sldId id="277" r:id="rId23"/>
+    <p:sldId id="278" r:id="rId24"/>
+    <p:sldId id="279" r:id="rId25"/>
+    <p:sldId id="280" r:id="rId26"/>
   </p:sldIdLst>
   <p:sldSz cx="9144000" cy="6858000" type="screen4x3"/>
   <p:notesSz cx="6858000" cy="9144000"/>
@@ -778,7 +779,7 @@
           <a:p>
             <a:fld id="{55A0D507-98C1-7A46-9C42-A531A864B295}" type="slidenum">
               <a:rPr lang="en-US" smtClean="0"/>
-              <a:t>11</a:t>
+              <a:t>12</a:t>
             </a:fld>
             <a:endParaRPr lang="en-US"/>
           </a:p>
@@ -870,7 +871,7 @@
           <a:p>
             <a:fld id="{55A0D507-98C1-7A46-9C42-A531A864B295}" type="slidenum">
               <a:rPr lang="en-US" smtClean="0"/>
-              <a:t>19</a:t>
+              <a:t>20</a:t>
             </a:fld>
             <a:endParaRPr lang="en-US"/>
           </a:p>
@@ -3917,7 +3918,9 @@
         </p:nvSpPr>
         <p:spPr/>
         <p:txBody>
-          <a:bodyPr/>
+          <a:bodyPr>
+            <a:normAutofit fontScale="85000" lnSpcReduction="20000"/>
+          </a:bodyPr>
           <a:lstStyle/>
           <a:p>
             <a:r>
@@ -3945,6 +3948,33 @@
               <a:rPr lang="en-US" dirty="0" smtClean="0"/>
               <a:t>)</a:t>
             </a:r>
+          </a:p>
+          <a:p>
+            <a:r>
+              <a:rPr lang="en-US" dirty="0" smtClean="0"/>
+              <a:t>http://</a:t>
+            </a:r>
+            <a:r>
+              <a:rPr lang="en-US" dirty="0" err="1" smtClean="0"/>
+              <a:t>github.com</a:t>
+            </a:r>
+            <a:r>
+              <a:rPr lang="en-US" dirty="0" smtClean="0"/>
+              <a:t>/</a:t>
+            </a:r>
+            <a:r>
+              <a:rPr lang="en-US" dirty="0" err="1" smtClean="0"/>
+              <a:t>pschloss</a:t>
+            </a:r>
+            <a:r>
+              <a:rPr lang="en-US" dirty="0" smtClean="0"/>
+              <a:t>/</a:t>
+            </a:r>
+            <a:r>
+              <a:rPr lang="en-US" dirty="0" err="1" smtClean="0"/>
+              <a:t>make_tutorial</a:t>
+            </a:r>
+            <a:endParaRPr lang="en-US" dirty="0" smtClean="0"/>
           </a:p>
           <a:p>
             <a:endParaRPr lang="en-US" dirty="0"/>
@@ -4955,10 +4985,950 @@
   <p:clrMapOvr>
     <a:masterClrMapping/>
   </p:clrMapOvr>
+  <p:timing>
+    <p:tnLst>
+      <p:par>
+        <p:cTn xmlns:p14="http://schemas.microsoft.com/office/powerpoint/2010/main" id="1" dur="indefinite" restart="never" nodeType="tmRoot">
+          <p:childTnLst>
+            <p:seq concurrent="1" nextAc="seek">
+              <p:cTn id="2" dur="indefinite" nodeType="mainSeq">
+                <p:childTnLst>
+                  <p:par>
+                    <p:cTn id="3" fill="hold">
+                      <p:stCondLst>
+                        <p:cond delay="indefinite"/>
+                      </p:stCondLst>
+                      <p:childTnLst>
+                        <p:par>
+                          <p:cTn id="4" fill="hold">
+                            <p:stCondLst>
+                              <p:cond delay="0"/>
+                            </p:stCondLst>
+                            <p:childTnLst>
+                              <p:par>
+                                <p:cTn id="5" presetID="1" presetClass="entr" presetSubtype="0" fill="hold" grpId="0" nodeType="clickEffect">
+                                  <p:stCondLst>
+                                    <p:cond delay="0"/>
+                                  </p:stCondLst>
+                                  <p:childTnLst>
+                                    <p:set>
+                                      <p:cBhvr>
+                                        <p:cTn id="6" dur="1" fill="hold">
+                                          <p:stCondLst>
+                                            <p:cond delay="0"/>
+                                          </p:stCondLst>
+                                        </p:cTn>
+                                        <p:tgtEl>
+                                          <p:spTgt spid="41"/>
+                                        </p:tgtEl>
+                                        <p:attrNameLst>
+                                          <p:attrName>style.visibility</p:attrName>
+                                        </p:attrNameLst>
+                                      </p:cBhvr>
+                                      <p:to>
+                                        <p:strVal val="visible"/>
+                                      </p:to>
+                                    </p:set>
+                                  </p:childTnLst>
+                                </p:cTn>
+                              </p:par>
+                              <p:par>
+                                <p:cTn id="7" presetID="1" presetClass="entr" presetSubtype="0" fill="hold" grpId="0" nodeType="withEffect">
+                                  <p:stCondLst>
+                                    <p:cond delay="0"/>
+                                  </p:stCondLst>
+                                  <p:childTnLst>
+                                    <p:set>
+                                      <p:cBhvr>
+                                        <p:cTn id="8" dur="1" fill="hold">
+                                          <p:stCondLst>
+                                            <p:cond delay="0"/>
+                                          </p:stCondLst>
+                                        </p:cTn>
+                                        <p:tgtEl>
+                                          <p:spTgt spid="39"/>
+                                        </p:tgtEl>
+                                        <p:attrNameLst>
+                                          <p:attrName>style.visibility</p:attrName>
+                                        </p:attrNameLst>
+                                      </p:cBhvr>
+                                      <p:to>
+                                        <p:strVal val="visible"/>
+                                      </p:to>
+                                    </p:set>
+                                  </p:childTnLst>
+                                </p:cTn>
+                              </p:par>
+                              <p:par>
+                                <p:cTn id="9" presetID="1" presetClass="entr" presetSubtype="0" fill="hold" nodeType="withEffect">
+                                  <p:stCondLst>
+                                    <p:cond delay="0"/>
+                                  </p:stCondLst>
+                                  <p:childTnLst>
+                                    <p:set>
+                                      <p:cBhvr>
+                                        <p:cTn id="10" dur="1" fill="hold">
+                                          <p:stCondLst>
+                                            <p:cond delay="0"/>
+                                          </p:stCondLst>
+                                        </p:cTn>
+                                        <p:tgtEl>
+                                          <p:spTgt spid="44"/>
+                                        </p:tgtEl>
+                                        <p:attrNameLst>
+                                          <p:attrName>style.visibility</p:attrName>
+                                        </p:attrNameLst>
+                                      </p:cBhvr>
+                                      <p:to>
+                                        <p:strVal val="visible"/>
+                                      </p:to>
+                                    </p:set>
+                                  </p:childTnLst>
+                                </p:cTn>
+                              </p:par>
+                              <p:par>
+                                <p:cTn id="11" presetID="1" presetClass="entr" presetSubtype="0" fill="hold" nodeType="withEffect">
+                                  <p:stCondLst>
+                                    <p:cond delay="0"/>
+                                  </p:stCondLst>
+                                  <p:childTnLst>
+                                    <p:set>
+                                      <p:cBhvr>
+                                        <p:cTn id="12" dur="1" fill="hold">
+                                          <p:stCondLst>
+                                            <p:cond delay="0"/>
+                                          </p:stCondLst>
+                                        </p:cTn>
+                                        <p:tgtEl>
+                                          <p:spTgt spid="46"/>
+                                        </p:tgtEl>
+                                        <p:attrNameLst>
+                                          <p:attrName>style.visibility</p:attrName>
+                                        </p:attrNameLst>
+                                      </p:cBhvr>
+                                      <p:to>
+                                        <p:strVal val="visible"/>
+                                      </p:to>
+                                    </p:set>
+                                  </p:childTnLst>
+                                </p:cTn>
+                              </p:par>
+                              <p:par>
+                                <p:cTn id="13" presetID="1" presetClass="entr" presetSubtype="0" fill="hold" nodeType="withEffect">
+                                  <p:stCondLst>
+                                    <p:cond delay="0"/>
+                                  </p:stCondLst>
+                                  <p:childTnLst>
+                                    <p:set>
+                                      <p:cBhvr>
+                                        <p:cTn id="14" dur="1" fill="hold">
+                                          <p:stCondLst>
+                                            <p:cond delay="0"/>
+                                          </p:stCondLst>
+                                        </p:cTn>
+                                        <p:tgtEl>
+                                          <p:spTgt spid="48"/>
+                                        </p:tgtEl>
+                                        <p:attrNameLst>
+                                          <p:attrName>style.visibility</p:attrName>
+                                        </p:attrNameLst>
+                                      </p:cBhvr>
+                                      <p:to>
+                                        <p:strVal val="visible"/>
+                                      </p:to>
+                                    </p:set>
+                                  </p:childTnLst>
+                                </p:cTn>
+                              </p:par>
+                              <p:par>
+                                <p:cTn id="15" presetID="1" presetClass="entr" presetSubtype="0" fill="hold" grpId="0" nodeType="withEffect">
+                                  <p:stCondLst>
+                                    <p:cond delay="0"/>
+                                  </p:stCondLst>
+                                  <p:childTnLst>
+                                    <p:set>
+                                      <p:cBhvr>
+                                        <p:cTn id="16" dur="1" fill="hold">
+                                          <p:stCondLst>
+                                            <p:cond delay="0"/>
+                                          </p:stCondLst>
+                                        </p:cTn>
+                                        <p:tgtEl>
+                                          <p:spTgt spid="24"/>
+                                        </p:tgtEl>
+                                        <p:attrNameLst>
+                                          <p:attrName>style.visibility</p:attrName>
+                                        </p:attrNameLst>
+                                      </p:cBhvr>
+                                      <p:to>
+                                        <p:strVal val="visible"/>
+                                      </p:to>
+                                    </p:set>
+                                  </p:childTnLst>
+                                </p:cTn>
+                              </p:par>
+                            </p:childTnLst>
+                          </p:cTn>
+                        </p:par>
+                      </p:childTnLst>
+                    </p:cTn>
+                  </p:par>
+                  <p:par>
+                    <p:cTn id="17" fill="hold">
+                      <p:stCondLst>
+                        <p:cond delay="indefinite"/>
+                      </p:stCondLst>
+                      <p:childTnLst>
+                        <p:par>
+                          <p:cTn id="18" fill="hold">
+                            <p:stCondLst>
+                              <p:cond delay="0"/>
+                            </p:stCondLst>
+                            <p:childTnLst>
+                              <p:par>
+                                <p:cTn id="19" presetID="1" presetClass="entr" presetSubtype="0" fill="hold" grpId="0" nodeType="clickEffect">
+                                  <p:stCondLst>
+                                    <p:cond delay="0"/>
+                                  </p:stCondLst>
+                                  <p:childTnLst>
+                                    <p:set>
+                                      <p:cBhvr>
+                                        <p:cTn id="20" dur="1" fill="hold">
+                                          <p:stCondLst>
+                                            <p:cond delay="0"/>
+                                          </p:stCondLst>
+                                        </p:cTn>
+                                        <p:tgtEl>
+                                          <p:spTgt spid="6"/>
+                                        </p:tgtEl>
+                                        <p:attrNameLst>
+                                          <p:attrName>style.visibility</p:attrName>
+                                        </p:attrNameLst>
+                                      </p:cBhvr>
+                                      <p:to>
+                                        <p:strVal val="visible"/>
+                                      </p:to>
+                                    </p:set>
+                                  </p:childTnLst>
+                                </p:cTn>
+                              </p:par>
+                              <p:par>
+                                <p:cTn id="21" presetID="1" presetClass="entr" presetSubtype="0" fill="hold" nodeType="withEffect">
+                                  <p:stCondLst>
+                                    <p:cond delay="0"/>
+                                  </p:stCondLst>
+                                  <p:childTnLst>
+                                    <p:set>
+                                      <p:cBhvr>
+                                        <p:cTn id="22" dur="1" fill="hold">
+                                          <p:stCondLst>
+                                            <p:cond delay="0"/>
+                                          </p:stCondLst>
+                                        </p:cTn>
+                                        <p:tgtEl>
+                                          <p:spTgt spid="36"/>
+                                        </p:tgtEl>
+                                        <p:attrNameLst>
+                                          <p:attrName>style.visibility</p:attrName>
+                                        </p:attrNameLst>
+                                      </p:cBhvr>
+                                      <p:to>
+                                        <p:strVal val="visible"/>
+                                      </p:to>
+                                    </p:set>
+                                  </p:childTnLst>
+                                </p:cTn>
+                              </p:par>
+                              <p:par>
+                                <p:cTn id="23" presetID="1" presetClass="entr" presetSubtype="0" fill="hold" grpId="0" nodeType="withEffect">
+                                  <p:stCondLst>
+                                    <p:cond delay="0"/>
+                                  </p:stCondLst>
+                                  <p:childTnLst>
+                                    <p:set>
+                                      <p:cBhvr>
+                                        <p:cTn id="24" dur="1" fill="hold">
+                                          <p:stCondLst>
+                                            <p:cond delay="0"/>
+                                          </p:stCondLst>
+                                        </p:cTn>
+                                        <p:tgtEl>
+                                          <p:spTgt spid="23"/>
+                                        </p:tgtEl>
+                                        <p:attrNameLst>
+                                          <p:attrName>style.visibility</p:attrName>
+                                        </p:attrNameLst>
+                                      </p:cBhvr>
+                                      <p:to>
+                                        <p:strVal val="visible"/>
+                                      </p:to>
+                                    </p:set>
+                                  </p:childTnLst>
+                                </p:cTn>
+                              </p:par>
+                              <p:par>
+                                <p:cTn id="25" presetID="1" presetClass="entr" presetSubtype="0" fill="hold" nodeType="withEffect">
+                                  <p:stCondLst>
+                                    <p:cond delay="0"/>
+                                  </p:stCondLst>
+                                  <p:childTnLst>
+                                    <p:set>
+                                      <p:cBhvr>
+                                        <p:cTn id="26" dur="1" fill="hold">
+                                          <p:stCondLst>
+                                            <p:cond delay="0"/>
+                                          </p:stCondLst>
+                                        </p:cTn>
+                                        <p:tgtEl>
+                                          <p:spTgt spid="34"/>
+                                        </p:tgtEl>
+                                        <p:attrNameLst>
+                                          <p:attrName>style.visibility</p:attrName>
+                                        </p:attrNameLst>
+                                      </p:cBhvr>
+                                      <p:to>
+                                        <p:strVal val="visible"/>
+                                      </p:to>
+                                    </p:set>
+                                  </p:childTnLst>
+                                </p:cTn>
+                              </p:par>
+                              <p:par>
+                                <p:cTn id="27" presetID="1" presetClass="entr" presetSubtype="0" fill="hold" grpId="0" nodeType="withEffect">
+                                  <p:stCondLst>
+                                    <p:cond delay="0"/>
+                                  </p:stCondLst>
+                                  <p:childTnLst>
+                                    <p:set>
+                                      <p:cBhvr>
+                                        <p:cTn id="28" dur="1" fill="hold">
+                                          <p:stCondLst>
+                                            <p:cond delay="0"/>
+                                          </p:stCondLst>
+                                        </p:cTn>
+                                        <p:tgtEl>
+                                          <p:spTgt spid="10"/>
+                                        </p:tgtEl>
+                                        <p:attrNameLst>
+                                          <p:attrName>style.visibility</p:attrName>
+                                        </p:attrNameLst>
+                                      </p:cBhvr>
+                                      <p:to>
+                                        <p:strVal val="visible"/>
+                                      </p:to>
+                                    </p:set>
+                                  </p:childTnLst>
+                                </p:cTn>
+                              </p:par>
+                              <p:par>
+                                <p:cTn id="29" presetID="1" presetClass="entr" presetSubtype="0" fill="hold" nodeType="withEffect">
+                                  <p:stCondLst>
+                                    <p:cond delay="0"/>
+                                  </p:stCondLst>
+                                  <p:childTnLst>
+                                    <p:set>
+                                      <p:cBhvr>
+                                        <p:cTn id="30" dur="1" fill="hold">
+                                          <p:stCondLst>
+                                            <p:cond delay="0"/>
+                                          </p:stCondLst>
+                                        </p:cTn>
+                                        <p:tgtEl>
+                                          <p:spTgt spid="33"/>
+                                        </p:tgtEl>
+                                        <p:attrNameLst>
+                                          <p:attrName>style.visibility</p:attrName>
+                                        </p:attrNameLst>
+                                      </p:cBhvr>
+                                      <p:to>
+                                        <p:strVal val="visible"/>
+                                      </p:to>
+                                    </p:set>
+                                  </p:childTnLst>
+                                </p:cTn>
+                              </p:par>
+                            </p:childTnLst>
+                          </p:cTn>
+                        </p:par>
+                      </p:childTnLst>
+                    </p:cTn>
+                  </p:par>
+                  <p:par>
+                    <p:cTn id="31" fill="hold">
+                      <p:stCondLst>
+                        <p:cond delay="indefinite"/>
+                      </p:stCondLst>
+                      <p:childTnLst>
+                        <p:par>
+                          <p:cTn id="32" fill="hold">
+                            <p:stCondLst>
+                              <p:cond delay="0"/>
+                            </p:stCondLst>
+                            <p:childTnLst>
+                              <p:par>
+                                <p:cTn id="33" presetID="1" presetClass="entr" presetSubtype="0" fill="hold" nodeType="clickEffect">
+                                  <p:stCondLst>
+                                    <p:cond delay="0"/>
+                                  </p:stCondLst>
+                                  <p:childTnLst>
+                                    <p:set>
+                                      <p:cBhvr>
+                                        <p:cTn id="34" dur="1" fill="hold">
+                                          <p:stCondLst>
+                                            <p:cond delay="0"/>
+                                          </p:stCondLst>
+                                        </p:cTn>
+                                        <p:tgtEl>
+                                          <p:spTgt spid="18"/>
+                                        </p:tgtEl>
+                                        <p:attrNameLst>
+                                          <p:attrName>style.visibility</p:attrName>
+                                        </p:attrNameLst>
+                                      </p:cBhvr>
+                                      <p:to>
+                                        <p:strVal val="visible"/>
+                                      </p:to>
+                                    </p:set>
+                                  </p:childTnLst>
+                                </p:cTn>
+                              </p:par>
+                              <p:par>
+                                <p:cTn id="35" presetID="1" presetClass="entr" presetSubtype="0" fill="hold" nodeType="withEffect">
+                                  <p:stCondLst>
+                                    <p:cond delay="0"/>
+                                  </p:stCondLst>
+                                  <p:childTnLst>
+                                    <p:set>
+                                      <p:cBhvr>
+                                        <p:cTn id="36" dur="1" fill="hold">
+                                          <p:stCondLst>
+                                            <p:cond delay="0"/>
+                                          </p:stCondLst>
+                                        </p:cTn>
+                                        <p:tgtEl>
+                                          <p:spTgt spid="21"/>
+                                        </p:tgtEl>
+                                        <p:attrNameLst>
+                                          <p:attrName>style.visibility</p:attrName>
+                                        </p:attrNameLst>
+                                      </p:cBhvr>
+                                      <p:to>
+                                        <p:strVal val="visible"/>
+                                      </p:to>
+                                    </p:set>
+                                  </p:childTnLst>
+                                </p:cTn>
+                              </p:par>
+                              <p:par>
+                                <p:cTn id="37" presetID="1" presetClass="entr" presetSubtype="0" fill="hold" grpId="0" nodeType="withEffect">
+                                  <p:stCondLst>
+                                    <p:cond delay="0"/>
+                                  </p:stCondLst>
+                                  <p:childTnLst>
+                                    <p:set>
+                                      <p:cBhvr>
+                                        <p:cTn id="38" dur="1" fill="hold">
+                                          <p:stCondLst>
+                                            <p:cond delay="0"/>
+                                          </p:stCondLst>
+                                        </p:cTn>
+                                        <p:tgtEl>
+                                          <p:spTgt spid="13"/>
+                                        </p:tgtEl>
+                                        <p:attrNameLst>
+                                          <p:attrName>style.visibility</p:attrName>
+                                        </p:attrNameLst>
+                                      </p:cBhvr>
+                                      <p:to>
+                                        <p:strVal val="visible"/>
+                                      </p:to>
+                                    </p:set>
+                                  </p:childTnLst>
+                                </p:cTn>
+                              </p:par>
+                              <p:par>
+                                <p:cTn id="39" presetID="1" presetClass="entr" presetSubtype="0" fill="hold" grpId="0" nodeType="withEffect">
+                                  <p:stCondLst>
+                                    <p:cond delay="0"/>
+                                  </p:stCondLst>
+                                  <p:childTnLst>
+                                    <p:set>
+                                      <p:cBhvr>
+                                        <p:cTn id="40" dur="1" fill="hold">
+                                          <p:stCondLst>
+                                            <p:cond delay="0"/>
+                                          </p:stCondLst>
+                                        </p:cTn>
+                                        <p:tgtEl>
+                                          <p:spTgt spid="5"/>
+                                        </p:tgtEl>
+                                        <p:attrNameLst>
+                                          <p:attrName>style.visibility</p:attrName>
+                                        </p:attrNameLst>
+                                      </p:cBhvr>
+                                      <p:to>
+                                        <p:strVal val="visible"/>
+                                      </p:to>
+                                    </p:set>
+                                  </p:childTnLst>
+                                </p:cTn>
+                              </p:par>
+                            </p:childTnLst>
+                          </p:cTn>
+                        </p:par>
+                      </p:childTnLst>
+                    </p:cTn>
+                  </p:par>
+                  <p:par>
+                    <p:cTn id="41" fill="hold">
+                      <p:stCondLst>
+                        <p:cond delay="indefinite"/>
+                      </p:stCondLst>
+                      <p:childTnLst>
+                        <p:par>
+                          <p:cTn id="42" fill="hold">
+                            <p:stCondLst>
+                              <p:cond delay="0"/>
+                            </p:stCondLst>
+                            <p:childTnLst>
+                              <p:par>
+                                <p:cTn id="43" presetID="1" presetClass="entr" presetSubtype="0" fill="hold" nodeType="clickEffect">
+                                  <p:stCondLst>
+                                    <p:cond delay="0"/>
+                                  </p:stCondLst>
+                                  <p:childTnLst>
+                                    <p:set>
+                                      <p:cBhvr>
+                                        <p:cTn id="44" dur="1" fill="hold">
+                                          <p:stCondLst>
+                                            <p:cond delay="0"/>
+                                          </p:stCondLst>
+                                        </p:cTn>
+                                        <p:tgtEl>
+                                          <p:spTgt spid="16"/>
+                                        </p:tgtEl>
+                                        <p:attrNameLst>
+                                          <p:attrName>style.visibility</p:attrName>
+                                        </p:attrNameLst>
+                                      </p:cBhvr>
+                                      <p:to>
+                                        <p:strVal val="visible"/>
+                                      </p:to>
+                                    </p:set>
+                                  </p:childTnLst>
+                                </p:cTn>
+                              </p:par>
+                              <p:par>
+                                <p:cTn id="45" presetID="1" presetClass="entr" presetSubtype="0" fill="hold" grpId="0" nodeType="withEffect">
+                                  <p:stCondLst>
+                                    <p:cond delay="0"/>
+                                  </p:stCondLst>
+                                  <p:childTnLst>
+                                    <p:set>
+                                      <p:cBhvr>
+                                        <p:cTn id="46" dur="1" fill="hold">
+                                          <p:stCondLst>
+                                            <p:cond delay="0"/>
+                                          </p:stCondLst>
+                                        </p:cTn>
+                                        <p:tgtEl>
+                                          <p:spTgt spid="11"/>
+                                        </p:tgtEl>
+                                        <p:attrNameLst>
+                                          <p:attrName>style.visibility</p:attrName>
+                                        </p:attrNameLst>
+                                      </p:cBhvr>
+                                      <p:to>
+                                        <p:strVal val="visible"/>
+                                      </p:to>
+                                    </p:set>
+                                  </p:childTnLst>
+                                </p:cTn>
+                              </p:par>
+                              <p:par>
+                                <p:cTn id="47" presetID="1" presetClass="entr" presetSubtype="0" fill="hold" nodeType="withEffect">
+                                  <p:stCondLst>
+                                    <p:cond delay="0"/>
+                                  </p:stCondLst>
+                                  <p:childTnLst>
+                                    <p:set>
+                                      <p:cBhvr>
+                                        <p:cTn id="48" dur="1" fill="hold">
+                                          <p:stCondLst>
+                                            <p:cond delay="0"/>
+                                          </p:stCondLst>
+                                        </p:cTn>
+                                        <p:tgtEl>
+                                          <p:spTgt spid="15"/>
+                                        </p:tgtEl>
+                                        <p:attrNameLst>
+                                          <p:attrName>style.visibility</p:attrName>
+                                        </p:attrNameLst>
+                                      </p:cBhvr>
+                                      <p:to>
+                                        <p:strVal val="visible"/>
+                                      </p:to>
+                                    </p:set>
+                                  </p:childTnLst>
+                                </p:cTn>
+                              </p:par>
+                              <p:par>
+                                <p:cTn id="49" presetID="1" presetClass="entr" presetSubtype="0" fill="hold" grpId="0" nodeType="withEffect">
+                                  <p:stCondLst>
+                                    <p:cond delay="0"/>
+                                  </p:stCondLst>
+                                  <p:childTnLst>
+                                    <p:set>
+                                      <p:cBhvr>
+                                        <p:cTn id="50" dur="1" fill="hold">
+                                          <p:stCondLst>
+                                            <p:cond delay="0"/>
+                                          </p:stCondLst>
+                                        </p:cTn>
+                                        <p:tgtEl>
+                                          <p:spTgt spid="9"/>
+                                        </p:tgtEl>
+                                        <p:attrNameLst>
+                                          <p:attrName>style.visibility</p:attrName>
+                                        </p:attrNameLst>
+                                      </p:cBhvr>
+                                      <p:to>
+                                        <p:strVal val="visible"/>
+                                      </p:to>
+                                    </p:set>
+                                  </p:childTnLst>
+                                </p:cTn>
+                              </p:par>
+                              <p:par>
+                                <p:cTn id="51" presetID="1" presetClass="entr" presetSubtype="0" fill="hold" grpId="0" nodeType="withEffect">
+                                  <p:stCondLst>
+                                    <p:cond delay="0"/>
+                                  </p:stCondLst>
+                                  <p:childTnLst>
+                                    <p:set>
+                                      <p:cBhvr>
+                                        <p:cTn id="52" dur="1" fill="hold">
+                                          <p:stCondLst>
+                                            <p:cond delay="0"/>
+                                          </p:stCondLst>
+                                        </p:cTn>
+                                        <p:tgtEl>
+                                          <p:spTgt spid="8"/>
+                                        </p:tgtEl>
+                                        <p:attrNameLst>
+                                          <p:attrName>style.visibility</p:attrName>
+                                        </p:attrNameLst>
+                                      </p:cBhvr>
+                                      <p:to>
+                                        <p:strVal val="visible"/>
+                                      </p:to>
+                                    </p:set>
+                                  </p:childTnLst>
+                                </p:cTn>
+                              </p:par>
+                              <p:par>
+                                <p:cTn id="53" presetID="1" presetClass="entr" presetSubtype="0" fill="hold" grpId="0" nodeType="withEffect">
+                                  <p:stCondLst>
+                                    <p:cond delay="0"/>
+                                  </p:stCondLst>
+                                  <p:childTnLst>
+                                    <p:set>
+                                      <p:cBhvr>
+                                        <p:cTn id="54" dur="1" fill="hold">
+                                          <p:stCondLst>
+                                            <p:cond delay="0"/>
+                                          </p:stCondLst>
+                                        </p:cTn>
+                                        <p:tgtEl>
+                                          <p:spTgt spid="7"/>
+                                        </p:tgtEl>
+                                        <p:attrNameLst>
+                                          <p:attrName>style.visibility</p:attrName>
+                                        </p:attrNameLst>
+                                      </p:cBhvr>
+                                      <p:to>
+                                        <p:strVal val="visible"/>
+                                      </p:to>
+                                    </p:set>
+                                  </p:childTnLst>
+                                </p:cTn>
+                              </p:par>
+                              <p:par>
+                                <p:cTn id="55" presetID="1" presetClass="entr" presetSubtype="0" fill="hold" grpId="0" nodeType="withEffect">
+                                  <p:stCondLst>
+                                    <p:cond delay="0"/>
+                                  </p:stCondLst>
+                                  <p:childTnLst>
+                                    <p:set>
+                                      <p:cBhvr>
+                                        <p:cTn id="56" dur="1" fill="hold">
+                                          <p:stCondLst>
+                                            <p:cond delay="0"/>
+                                          </p:stCondLst>
+                                        </p:cTn>
+                                        <p:tgtEl>
+                                          <p:spTgt spid="4"/>
+                                        </p:tgtEl>
+                                        <p:attrNameLst>
+                                          <p:attrName>style.visibility</p:attrName>
+                                        </p:attrNameLst>
+                                      </p:cBhvr>
+                                      <p:to>
+                                        <p:strVal val="visible"/>
+                                      </p:to>
+                                    </p:set>
+                                  </p:childTnLst>
+                                </p:cTn>
+                              </p:par>
+                            </p:childTnLst>
+                          </p:cTn>
+                        </p:par>
+                      </p:childTnLst>
+                    </p:cTn>
+                  </p:par>
+                </p:childTnLst>
+              </p:cTn>
+              <p:prevCondLst>
+                <p:cond evt="onPrev" delay="0">
+                  <p:tgtEl>
+                    <p:sldTgt/>
+                  </p:tgtEl>
+                </p:cond>
+              </p:prevCondLst>
+              <p:nextCondLst>
+                <p:cond evt="onNext" delay="0">
+                  <p:tgtEl>
+                    <p:sldTgt/>
+                  </p:tgtEl>
+                </p:cond>
+              </p:nextCondLst>
+            </p:seq>
+          </p:childTnLst>
+        </p:cTn>
+      </p:par>
+    </p:tnLst>
+    <p:bldLst>
+      <p:bldP spid="4" grpId="0" animBg="1"/>
+      <p:bldP spid="5" grpId="0" animBg="1"/>
+      <p:bldP spid="6" grpId="0" animBg="1"/>
+      <p:bldP spid="7" grpId="0" animBg="1"/>
+      <p:bldP spid="8" grpId="0" animBg="1"/>
+      <p:bldP spid="9" grpId="0" animBg="1"/>
+      <p:bldP spid="10" grpId="0" animBg="1"/>
+      <p:bldP spid="11" grpId="0" animBg="1"/>
+      <p:bldP spid="13" grpId="0" animBg="1"/>
+      <p:bldP spid="23" grpId="0" animBg="1"/>
+      <p:bldP spid="24" grpId="0" animBg="1"/>
+      <p:bldP spid="39" grpId="0" animBg="1"/>
+      <p:bldP spid="41" grpId="0" animBg="1"/>
+    </p:bldLst>
+  </p:timing>
 </p:sld>
 </file>
 
 <file path=ppt/slides/slide11.xml><?xml version="1.0" encoding="utf-8"?>
+<p:sld xmlns:a="http://schemas.openxmlformats.org/drawingml/2006/main" xmlns:r="http://schemas.openxmlformats.org/officeDocument/2006/relationships" xmlns:p="http://schemas.openxmlformats.org/presentationml/2006/main">
+  <p:cSld>
+    <p:spTree>
+      <p:nvGrpSpPr>
+        <p:cNvPr id="1" name=""/>
+        <p:cNvGrpSpPr/>
+        <p:nvPr/>
+      </p:nvGrpSpPr>
+      <p:grpSpPr>
+        <a:xfrm>
+          <a:off x="0" y="0"/>
+          <a:ext cx="0" cy="0"/>
+          <a:chOff x="0" y="0"/>
+          <a:chExt cx="0" cy="0"/>
+        </a:xfrm>
+      </p:grpSpPr>
+      <p:sp>
+        <p:nvSpPr>
+          <p:cNvPr id="2" name="Title 1"/>
+          <p:cNvSpPr>
+            <a:spLocks noGrp="1"/>
+          </p:cNvSpPr>
+          <p:nvPr>
+            <p:ph type="title"/>
+          </p:nvPr>
+        </p:nvSpPr>
+        <p:spPr/>
+        <p:txBody>
+          <a:bodyPr/>
+          <a:lstStyle/>
+          <a:p>
+            <a:pPr algn="l"/>
+            <a:r>
+              <a:rPr lang="en-US" b="1" dirty="0" smtClean="0"/>
+              <a:t>Holy Grail</a:t>
+            </a:r>
+            <a:endParaRPr lang="en-US" b="1" dirty="0"/>
+          </a:p>
+        </p:txBody>
+      </p:sp>
+      <p:sp>
+        <p:nvSpPr>
+          <p:cNvPr id="3" name="Content Placeholder 2"/>
+          <p:cNvSpPr>
+            <a:spLocks noGrp="1"/>
+          </p:cNvSpPr>
+          <p:nvPr>
+            <p:ph idx="1"/>
+          </p:nvPr>
+        </p:nvSpPr>
+        <p:spPr>
+          <a:xfrm>
+            <a:off x="229696" y="2640469"/>
+            <a:ext cx="8819720" cy="2101532"/>
+          </a:xfrm>
+        </p:spPr>
+        <p:txBody>
+          <a:bodyPr>
+            <a:normAutofit fontScale="62500" lnSpcReduction="20000"/>
+          </a:bodyPr>
+          <a:lstStyle/>
+          <a:p>
+            <a:pPr marL="0" indent="0">
+              <a:buNone/>
+            </a:pPr>
+            <a:r>
+              <a:rPr lang="en-US" sz="3400" dirty="0" smtClean="0">
+                <a:latin typeface="Courier"/>
+                <a:cs typeface="Courier"/>
+              </a:rPr>
+              <a:t>$ </a:t>
+            </a:r>
+            <a:r>
+              <a:rPr lang="en-US" sz="3400" dirty="0" err="1" smtClean="0">
+                <a:latin typeface="Courier"/>
+                <a:cs typeface="Courier"/>
+              </a:rPr>
+              <a:t>git</a:t>
+            </a:r>
+            <a:r>
+              <a:rPr lang="en-US" sz="3400" dirty="0" smtClean="0">
+                <a:latin typeface="Courier"/>
+                <a:cs typeface="Courier"/>
+              </a:rPr>
+              <a:t> clone </a:t>
+            </a:r>
+            <a:r>
+              <a:rPr lang="en-US" sz="3400" dirty="0" smtClean="0">
+                <a:latin typeface="Courier"/>
+                <a:cs typeface="Courier"/>
+                <a:hlinkClick r:id="rId2"/>
+              </a:rPr>
+              <a:t>git@github.com:pschloss/make_tutorial.git</a:t>
+            </a:r>
+            <a:endParaRPr lang="en-US" sz="3400" dirty="0" smtClean="0">
+              <a:latin typeface="Courier"/>
+              <a:cs typeface="Courier"/>
+            </a:endParaRPr>
+          </a:p>
+          <a:p>
+            <a:pPr marL="0" indent="0">
+              <a:buNone/>
+            </a:pPr>
+            <a:r>
+              <a:rPr lang="en-US" sz="3400" dirty="0" smtClean="0">
+                <a:latin typeface="Courier"/>
+                <a:cs typeface="Courier"/>
+              </a:rPr>
+              <a:t>$ cd </a:t>
+            </a:r>
+            <a:r>
+              <a:rPr lang="en-US" sz="3400" dirty="0" err="1" smtClean="0">
+                <a:latin typeface="Courier"/>
+                <a:cs typeface="Courier"/>
+              </a:rPr>
+              <a:t>make_tutorial</a:t>
+            </a:r>
+            <a:endParaRPr lang="en-US" sz="3400" dirty="0" smtClean="0">
+              <a:latin typeface="Courier"/>
+              <a:cs typeface="Courier"/>
+            </a:endParaRPr>
+          </a:p>
+          <a:p>
+            <a:pPr marL="0" indent="0">
+              <a:buNone/>
+            </a:pPr>
+            <a:r>
+              <a:rPr lang="en-US" sz="3400" dirty="0" smtClean="0">
+                <a:latin typeface="Courier"/>
+                <a:cs typeface="Courier"/>
+              </a:rPr>
+              <a:t>$ make clean; make </a:t>
+            </a:r>
+            <a:r>
+              <a:rPr lang="en-US" sz="3400" dirty="0" err="1" smtClean="0">
+                <a:latin typeface="Courier"/>
+                <a:cs typeface="Courier"/>
+              </a:rPr>
+              <a:t>family_report.html</a:t>
+            </a:r>
+            <a:endParaRPr lang="en-US" sz="3400" dirty="0" smtClean="0">
+              <a:latin typeface="Courier"/>
+              <a:cs typeface="Courier"/>
+            </a:endParaRPr>
+          </a:p>
+          <a:p>
+            <a:pPr marL="0" indent="0">
+              <a:buNone/>
+            </a:pPr>
+            <a:endParaRPr lang="en-US" sz="2000" dirty="0">
+              <a:latin typeface="Courier"/>
+              <a:cs typeface="Courier"/>
+            </a:endParaRPr>
+          </a:p>
+          <a:p>
+            <a:pPr marL="0" indent="0">
+              <a:buNone/>
+            </a:pPr>
+            <a:endParaRPr lang="en-US" sz="2000" dirty="0" smtClean="0">
+              <a:latin typeface="Courier"/>
+              <a:cs typeface="Courier"/>
+            </a:endParaRPr>
+          </a:p>
+          <a:p>
+            <a:pPr marL="0" indent="0">
+              <a:buNone/>
+            </a:pPr>
+            <a:r>
+              <a:rPr lang="is-IS" sz="5400" dirty="0" smtClean="0">
+                <a:latin typeface="Calibri"/>
+                <a:cs typeface="Calibri"/>
+              </a:rPr>
+              <a:t>						… and it just works (for you too!)</a:t>
+            </a:r>
+            <a:endParaRPr lang="en-US" sz="5400" dirty="0">
+              <a:latin typeface="Calibri"/>
+              <a:cs typeface="Calibri"/>
+            </a:endParaRPr>
+          </a:p>
+        </p:txBody>
+      </p:sp>
+    </p:spTree>
+    <p:extLst>
+      <p:ext uri="{BB962C8B-B14F-4D97-AF65-F5344CB8AC3E}">
+        <p14:creationId xmlns:p14="http://schemas.microsoft.com/office/powerpoint/2010/main" val="4001027017"/>
+      </p:ext>
+    </p:extLst>
+  </p:cSld>
+  <p:clrMapOvr>
+    <a:masterClrMapping/>
+  </p:clrMapOvr>
+  <p:timing>
+    <p:tnLst>
+      <p:par>
+        <p:cTn xmlns:p14="http://schemas.microsoft.com/office/powerpoint/2010/main" id="1" dur="indefinite" restart="never" nodeType="tmRoot"/>
+      </p:par>
+    </p:tnLst>
+  </p:timing>
+</p:sld>
+</file>
+
+<file path=ppt/slides/slide12.xml><?xml version="1.0" encoding="utf-8"?>
 <p:sld xmlns:a="http://schemas.openxmlformats.org/drawingml/2006/main" xmlns:r="http://schemas.openxmlformats.org/officeDocument/2006/relationships" xmlns:p="http://schemas.openxmlformats.org/presentationml/2006/main">
   <p:cSld>
     <p:spTree>
@@ -5205,7 +6175,7 @@
 </p:sld>
 </file>
 
-<file path=ppt/slides/slide12.xml><?xml version="1.0" encoding="utf-8"?>
+<file path=ppt/slides/slide13.xml><?xml version="1.0" encoding="utf-8"?>
 <p:sld xmlns:a="http://schemas.openxmlformats.org/drawingml/2006/main" xmlns:r="http://schemas.openxmlformats.org/officeDocument/2006/relationships" xmlns:p="http://schemas.openxmlformats.org/presentationml/2006/main">
   <p:cSld>
     <p:spTree>
@@ -5286,10 +6256,17 @@
   <p:clrMapOvr>
     <a:masterClrMapping/>
   </p:clrMapOvr>
+  <p:timing>
+    <p:tnLst>
+      <p:par>
+        <p:cTn xmlns:p14="http://schemas.microsoft.com/office/powerpoint/2010/main" id="1" dur="indefinite" restart="never" nodeType="tmRoot"/>
+      </p:par>
+    </p:tnLst>
+  </p:timing>
 </p:sld>
 </file>
 
-<file path=ppt/slides/slide13.xml><?xml version="1.0" encoding="utf-8"?>
+<file path=ppt/slides/slide14.xml><?xml version="1.0" encoding="utf-8"?>
 <p:sld xmlns:a="http://schemas.openxmlformats.org/drawingml/2006/main" xmlns:r="http://schemas.openxmlformats.org/officeDocument/2006/relationships" xmlns:p="http://schemas.openxmlformats.org/presentationml/2006/main">
   <p:cSld>
     <p:spTree>
@@ -5365,10 +6342,17 @@
   <p:clrMapOvr>
     <a:masterClrMapping/>
   </p:clrMapOvr>
+  <p:timing>
+    <p:tnLst>
+      <p:par>
+        <p:cTn xmlns:p14="http://schemas.microsoft.com/office/powerpoint/2010/main" id="1" dur="indefinite" restart="never" nodeType="tmRoot"/>
+      </p:par>
+    </p:tnLst>
+  </p:timing>
 </p:sld>
 </file>
 
-<file path=ppt/slides/slide14.xml><?xml version="1.0" encoding="utf-8"?>
+<file path=ppt/slides/slide15.xml><?xml version="1.0" encoding="utf-8"?>
 <p:sld xmlns:a="http://schemas.openxmlformats.org/drawingml/2006/main" xmlns:r="http://schemas.openxmlformats.org/officeDocument/2006/relationships" xmlns:p="http://schemas.openxmlformats.org/presentationml/2006/main">
   <p:cSld>
     <p:spTree>
@@ -5484,7 +6468,7 @@
 </p:sld>
 </file>
 
-<file path=ppt/slides/slide15.xml><?xml version="1.0" encoding="utf-8"?>
+<file path=ppt/slides/slide16.xml><?xml version="1.0" encoding="utf-8"?>
 <p:sld xmlns:a="http://schemas.openxmlformats.org/drawingml/2006/main" xmlns:r="http://schemas.openxmlformats.org/officeDocument/2006/relationships" xmlns:p="http://schemas.openxmlformats.org/presentationml/2006/main">
   <p:cSld>
     <p:spTree>
@@ -5565,10 +6549,17 @@
   <p:clrMapOvr>
     <a:masterClrMapping/>
   </p:clrMapOvr>
+  <p:timing>
+    <p:tnLst>
+      <p:par>
+        <p:cTn xmlns:p14="http://schemas.microsoft.com/office/powerpoint/2010/main" id="1" dur="indefinite" restart="never" nodeType="tmRoot"/>
+      </p:par>
+    </p:tnLst>
+  </p:timing>
 </p:sld>
 </file>
 
-<file path=ppt/slides/slide16.xml><?xml version="1.0" encoding="utf-8"?>
+<file path=ppt/slides/slide17.xml><?xml version="1.0" encoding="utf-8"?>
 <p:sld xmlns:a="http://schemas.openxmlformats.org/drawingml/2006/main" xmlns:r="http://schemas.openxmlformats.org/officeDocument/2006/relationships" xmlns:p="http://schemas.openxmlformats.org/presentationml/2006/main">
   <p:cSld>
     <p:spTree>
@@ -5718,10 +6709,17 @@
   <p:clrMapOvr>
     <a:masterClrMapping/>
   </p:clrMapOvr>
+  <p:timing>
+    <p:tnLst>
+      <p:par>
+        <p:cTn xmlns:p14="http://schemas.microsoft.com/office/powerpoint/2010/main" id="1" dur="indefinite" restart="never" nodeType="tmRoot"/>
+      </p:par>
+    </p:tnLst>
+  </p:timing>
 </p:sld>
 </file>
 
-<file path=ppt/slides/slide17.xml><?xml version="1.0" encoding="utf-8"?>
+<file path=ppt/slides/slide18.xml><?xml version="1.0" encoding="utf-8"?>
 <p:sld xmlns:a="http://schemas.openxmlformats.org/drawingml/2006/main" xmlns:r="http://schemas.openxmlformats.org/officeDocument/2006/relationships" xmlns:p="http://schemas.openxmlformats.org/presentationml/2006/main">
   <p:cSld>
     <p:spTree>
@@ -5859,10 +6857,17 @@
   <p:clrMapOvr>
     <a:masterClrMapping/>
   </p:clrMapOvr>
+  <p:timing>
+    <p:tnLst>
+      <p:par>
+        <p:cTn xmlns:p14="http://schemas.microsoft.com/office/powerpoint/2010/main" id="1" dur="indefinite" restart="never" nodeType="tmRoot"/>
+      </p:par>
+    </p:tnLst>
+  </p:timing>
 </p:sld>
 </file>
 
-<file path=ppt/slides/slide18.xml><?xml version="1.0" encoding="utf-8"?>
+<file path=ppt/slides/slide19.xml><?xml version="1.0" encoding="utf-8"?>
 <p:sld xmlns:a="http://schemas.openxmlformats.org/drawingml/2006/main" xmlns:r="http://schemas.openxmlformats.org/officeDocument/2006/relationships" xmlns:p="http://schemas.openxmlformats.org/presentationml/2006/main">
   <p:cSld>
     <p:spTree>
@@ -5975,7 +6980,112 @@
 </p:sld>
 </file>
 
-<file path=ppt/slides/slide19.xml><?xml version="1.0" encoding="utf-8"?>
+<file path=ppt/slides/slide2.xml><?xml version="1.0" encoding="utf-8"?>
+<p:sld xmlns:a="http://schemas.openxmlformats.org/drawingml/2006/main" xmlns:r="http://schemas.openxmlformats.org/officeDocument/2006/relationships" xmlns:p="http://schemas.openxmlformats.org/presentationml/2006/main">
+  <p:cSld>
+    <p:spTree>
+      <p:nvGrpSpPr>
+        <p:cNvPr id="1" name=""/>
+        <p:cNvGrpSpPr/>
+        <p:nvPr/>
+      </p:nvGrpSpPr>
+      <p:grpSpPr>
+        <a:xfrm>
+          <a:off x="0" y="0"/>
+          <a:ext cx="0" cy="0"/>
+          <a:chOff x="0" y="0"/>
+          <a:chExt cx="0" cy="0"/>
+        </a:xfrm>
+      </p:grpSpPr>
+      <p:pic>
+        <p:nvPicPr>
+          <p:cNvPr id="4" name="Picture 3" descr="Screen Shot 2016-07-14 at 11.58.10 AM.png"/>
+          <p:cNvPicPr>
+            <a:picLocks noChangeAspect="1"/>
+          </p:cNvPicPr>
+          <p:nvPr/>
+        </p:nvPicPr>
+        <p:blipFill>
+          <a:blip r:embed="rId2">
+            <a:extLst>
+              <a:ext uri="{28A0092B-C50C-407E-A947-70E740481C1C}">
+                <a14:useLocalDpi xmlns:a14="http://schemas.microsoft.com/office/drawing/2010/main" val="0"/>
+              </a:ext>
+            </a:extLst>
+          </a:blip>
+          <a:stretch>
+            <a:fillRect/>
+          </a:stretch>
+        </p:blipFill>
+        <p:spPr>
+          <a:xfrm>
+            <a:off x="0" y="0"/>
+            <a:ext cx="9144000" cy="6291276"/>
+          </a:xfrm>
+          <a:prstGeom prst="rect">
+            <a:avLst/>
+          </a:prstGeom>
+        </p:spPr>
+      </p:pic>
+      <p:sp>
+        <p:nvSpPr>
+          <p:cNvPr id="5" name="TextBox 4"/>
+          <p:cNvSpPr txBox="1"/>
+          <p:nvPr/>
+        </p:nvSpPr>
+        <p:spPr>
+          <a:xfrm>
+            <a:off x="-81602" y="6492679"/>
+            <a:ext cx="9225602" cy="369332"/>
+          </a:xfrm>
+          <a:prstGeom prst="rect">
+            <a:avLst/>
+          </a:prstGeom>
+          <a:noFill/>
+        </p:spPr>
+        <p:txBody>
+          <a:bodyPr wrap="none" rtlCol="0">
+            <a:spAutoFit/>
+          </a:bodyPr>
+          <a:lstStyle/>
+          <a:p>
+            <a:r>
+              <a:rPr lang="en-US" dirty="0" smtClean="0"/>
+              <a:t>http://</a:t>
+            </a:r>
+            <a:r>
+              <a:rPr lang="en-US" dirty="0" err="1" smtClean="0"/>
+              <a:t>fivethirtyeight.com</a:t>
+            </a:r>
+            <a:r>
+              <a:rPr lang="en-US" dirty="0" smtClean="0"/>
+              <a:t>/features/how-to-tell-</a:t>
+            </a:r>
+            <a:r>
+              <a:rPr lang="en-US" dirty="0" err="1" smtClean="0"/>
+              <a:t>someones</a:t>
+            </a:r>
+            <a:r>
+              <a:rPr lang="en-US" dirty="0" smtClean="0"/>
+              <a:t>-age-when-all-you-know-is-her-name/</a:t>
+            </a:r>
+          </a:p>
+        </p:txBody>
+      </p:sp>
+    </p:spTree>
+    <p:extLst>
+      <p:ext uri="{BB962C8B-B14F-4D97-AF65-F5344CB8AC3E}">
+        <p14:creationId xmlns:p14="http://schemas.microsoft.com/office/powerpoint/2010/main" val="3110431441"/>
+      </p:ext>
+    </p:extLst>
+  </p:cSld>
+  <p:clrMapOvr>
+    <a:masterClrMapping/>
+  </p:clrMapOvr>
+</p:sld>
+</file>
+
+<file path=ppt/slides/slide20.xml><?xml version="1.0" encoding="utf-8"?>
 <p:sld xmlns:a="http://schemas.openxmlformats.org/drawingml/2006/main" xmlns:r="http://schemas.openxmlformats.org/officeDocument/2006/relationships" xmlns:p="http://schemas.openxmlformats.org/presentationml/2006/main">
   <p:cSld>
     <p:spTree>
@@ -6171,6 +7281,33 @@
                                   </p:childTnLst>
                                 </p:cTn>
                               </p:par>
+                              <p:par>
+                                <p:cTn id="7" presetID="1" presetClass="entr" presetSubtype="0" fill="hold" nodeType="withEffect">
+                                  <p:stCondLst>
+                                    <p:cond delay="0"/>
+                                  </p:stCondLst>
+                                  <p:childTnLst>
+                                    <p:set>
+                                      <p:cBhvr>
+                                        <p:cTn id="8" dur="1" fill="hold">
+                                          <p:stCondLst>
+                                            <p:cond delay="0"/>
+                                          </p:stCondLst>
+                                        </p:cTn>
+                                        <p:tgtEl>
+                                          <p:spTgt spid="10"/>
+                                        </p:tgtEl>
+                                        <p:attrNameLst>
+                                          <p:attrName>style.visibility</p:attrName>
+                                        </p:attrNameLst>
+                                      </p:cBhvr>
+                                      <p:to>
+                                        <p:strVal val="visible"/>
+                                      </p:to>
+                                    </p:set>
+                                  </p:childTnLst>
+                                </p:cTn>
+                              </p:par>
                             </p:childTnLst>
                           </p:cTn>
                         </p:par>
@@ -6205,112 +7342,7 @@
 </p:sld>
 </file>
 
-<file path=ppt/slides/slide2.xml><?xml version="1.0" encoding="utf-8"?>
-<p:sld xmlns:a="http://schemas.openxmlformats.org/drawingml/2006/main" xmlns:r="http://schemas.openxmlformats.org/officeDocument/2006/relationships" xmlns:p="http://schemas.openxmlformats.org/presentationml/2006/main">
-  <p:cSld>
-    <p:spTree>
-      <p:nvGrpSpPr>
-        <p:cNvPr id="1" name=""/>
-        <p:cNvGrpSpPr/>
-        <p:nvPr/>
-      </p:nvGrpSpPr>
-      <p:grpSpPr>
-        <a:xfrm>
-          <a:off x="0" y="0"/>
-          <a:ext cx="0" cy="0"/>
-          <a:chOff x="0" y="0"/>
-          <a:chExt cx="0" cy="0"/>
-        </a:xfrm>
-      </p:grpSpPr>
-      <p:pic>
-        <p:nvPicPr>
-          <p:cNvPr id="4" name="Picture 3" descr="Screen Shot 2016-07-14 at 11.58.10 AM.png"/>
-          <p:cNvPicPr>
-            <a:picLocks noChangeAspect="1"/>
-          </p:cNvPicPr>
-          <p:nvPr/>
-        </p:nvPicPr>
-        <p:blipFill>
-          <a:blip r:embed="rId2">
-            <a:extLst>
-              <a:ext uri="{28A0092B-C50C-407E-A947-70E740481C1C}">
-                <a14:useLocalDpi xmlns:a14="http://schemas.microsoft.com/office/drawing/2010/main" val="0"/>
-              </a:ext>
-            </a:extLst>
-          </a:blip>
-          <a:stretch>
-            <a:fillRect/>
-          </a:stretch>
-        </p:blipFill>
-        <p:spPr>
-          <a:xfrm>
-            <a:off x="0" y="0"/>
-            <a:ext cx="9144000" cy="6291276"/>
-          </a:xfrm>
-          <a:prstGeom prst="rect">
-            <a:avLst/>
-          </a:prstGeom>
-        </p:spPr>
-      </p:pic>
-      <p:sp>
-        <p:nvSpPr>
-          <p:cNvPr id="5" name="TextBox 4"/>
-          <p:cNvSpPr txBox="1"/>
-          <p:nvPr/>
-        </p:nvSpPr>
-        <p:spPr>
-          <a:xfrm>
-            <a:off x="-81602" y="6492679"/>
-            <a:ext cx="9225602" cy="369332"/>
-          </a:xfrm>
-          <a:prstGeom prst="rect">
-            <a:avLst/>
-          </a:prstGeom>
-          <a:noFill/>
-        </p:spPr>
-        <p:txBody>
-          <a:bodyPr wrap="none" rtlCol="0">
-            <a:spAutoFit/>
-          </a:bodyPr>
-          <a:lstStyle/>
-          <a:p>
-            <a:r>
-              <a:rPr lang="en-US" dirty="0" smtClean="0"/>
-              <a:t>http://</a:t>
-            </a:r>
-            <a:r>
-              <a:rPr lang="en-US" dirty="0" err="1" smtClean="0"/>
-              <a:t>fivethirtyeight.com</a:t>
-            </a:r>
-            <a:r>
-              <a:rPr lang="en-US" dirty="0" smtClean="0"/>
-              <a:t>/features/how-to-tell-</a:t>
-            </a:r>
-            <a:r>
-              <a:rPr lang="en-US" dirty="0" err="1" smtClean="0"/>
-              <a:t>someones</a:t>
-            </a:r>
-            <a:r>
-              <a:rPr lang="en-US" dirty="0" smtClean="0"/>
-              <a:t>-age-when-all-you-know-is-her-name/</a:t>
-            </a:r>
-          </a:p>
-        </p:txBody>
-      </p:sp>
-    </p:spTree>
-    <p:extLst>
-      <p:ext uri="{BB962C8B-B14F-4D97-AF65-F5344CB8AC3E}">
-        <p14:creationId xmlns:p14="http://schemas.microsoft.com/office/powerpoint/2010/main" val="3110431441"/>
-      </p:ext>
-    </p:extLst>
-  </p:cSld>
-  <p:clrMapOvr>
-    <a:masterClrMapping/>
-  </p:clrMapOvr>
-</p:sld>
-</file>
-
-<file path=ppt/slides/slide20.xml><?xml version="1.0" encoding="utf-8"?>
+<file path=ppt/slides/slide21.xml><?xml version="1.0" encoding="utf-8"?>
 <p:sld xmlns:a="http://schemas.openxmlformats.org/drawingml/2006/main" xmlns:r="http://schemas.openxmlformats.org/officeDocument/2006/relationships" xmlns:p="http://schemas.openxmlformats.org/presentationml/2006/main">
   <p:cSld>
     <p:spTree>
@@ -6401,7 +7433,7 @@
 </p:sld>
 </file>
 
-<file path=ppt/slides/slide21.xml><?xml version="1.0" encoding="utf-8"?>
+<file path=ppt/slides/slide22.xml><?xml version="1.0" encoding="utf-8"?>
 <p:sld xmlns:a="http://schemas.openxmlformats.org/drawingml/2006/main" xmlns:r="http://schemas.openxmlformats.org/officeDocument/2006/relationships" xmlns:p="http://schemas.openxmlformats.org/presentationml/2006/main">
   <p:cSld>
     <p:spTree>
@@ -6486,266 +7518,13 @@
   <p:clrMapOvr>
     <a:masterClrMapping/>
   </p:clrMapOvr>
-</p:sld>
-</file>
-
-<file path=ppt/slides/slide22.xml><?xml version="1.0" encoding="utf-8"?>
-<p:sld xmlns:a="http://schemas.openxmlformats.org/drawingml/2006/main" xmlns:r="http://schemas.openxmlformats.org/officeDocument/2006/relationships" xmlns:p="http://schemas.openxmlformats.org/presentationml/2006/main">
-  <p:cSld>
-    <p:spTree>
-      <p:nvGrpSpPr>
-        <p:cNvPr id="1" name=""/>
-        <p:cNvGrpSpPr/>
-        <p:nvPr/>
-      </p:nvGrpSpPr>
-      <p:grpSpPr>
-        <a:xfrm>
-          <a:off x="0" y="0"/>
-          <a:ext cx="0" cy="0"/>
-          <a:chOff x="0" y="0"/>
-          <a:chExt cx="0" cy="0"/>
-        </a:xfrm>
-      </p:grpSpPr>
-      <p:sp>
-        <p:nvSpPr>
-          <p:cNvPr id="2" name="Title 1"/>
-          <p:cNvSpPr>
-            <a:spLocks noGrp="1"/>
-          </p:cNvSpPr>
-          <p:nvPr>
-            <p:ph type="title"/>
-          </p:nvPr>
-        </p:nvSpPr>
-        <p:spPr/>
-        <p:txBody>
-          <a:bodyPr/>
-          <a:lstStyle/>
-          <a:p>
-            <a:pPr algn="l"/>
-            <a:r>
-              <a:rPr lang="en-US" b="1" dirty="0" smtClean="0"/>
-              <a:t>Other commands</a:t>
-            </a:r>
-            <a:endParaRPr lang="en-US" b="1" dirty="0"/>
-          </a:p>
-        </p:txBody>
-      </p:sp>
-      <p:sp>
-        <p:nvSpPr>
-          <p:cNvPr id="3" name="Content Placeholder 2"/>
-          <p:cNvSpPr>
-            <a:spLocks noGrp="1"/>
-          </p:cNvSpPr>
-          <p:nvPr>
-            <p:ph idx="1"/>
-          </p:nvPr>
-        </p:nvSpPr>
-        <p:spPr>
-          <a:xfrm>
-            <a:off x="457200" y="1600200"/>
-            <a:ext cx="8229600" cy="5257800"/>
-          </a:xfrm>
-        </p:spPr>
-        <p:txBody>
-          <a:bodyPr>
-            <a:normAutofit/>
-          </a:bodyPr>
-          <a:lstStyle/>
-          <a:p>
-            <a:r>
-              <a:rPr lang="en-US" dirty="0" smtClean="0">
-                <a:latin typeface="Courier"/>
-                <a:cs typeface="Courier"/>
-              </a:rPr>
-              <a:t>make </a:t>
-            </a:r>
-            <a:r>
-              <a:rPr lang="en-US" b="1" dirty="0" smtClean="0">
-                <a:solidFill>
-                  <a:srgbClr val="FF0000"/>
-                </a:solidFill>
-                <a:latin typeface="Courier"/>
-                <a:cs typeface="Courier"/>
-              </a:rPr>
-              <a:t>-n</a:t>
-            </a:r>
-            <a:r>
-              <a:rPr lang="en-US" b="1" dirty="0" smtClean="0">
-                <a:solidFill>
-                  <a:srgbClr val="FF0000"/>
-                </a:solidFill>
-              </a:rPr>
-              <a:t> </a:t>
-            </a:r>
-            <a:r>
-              <a:rPr lang="en-US" i="1" dirty="0" smtClean="0"/>
-              <a:t>target</a:t>
-            </a:r>
-            <a:r>
-              <a:rPr lang="en-US" dirty="0" smtClean="0"/>
-              <a:t>: What commands will be run to build the target?</a:t>
-            </a:r>
-          </a:p>
-          <a:p>
-            <a:r>
-              <a:rPr lang="en-US" dirty="0" smtClean="0">
-                <a:latin typeface="Courier"/>
-                <a:cs typeface="Courier"/>
-              </a:rPr>
-              <a:t>make </a:t>
-            </a:r>
-            <a:r>
-              <a:rPr lang="en-US" b="1" dirty="0" smtClean="0">
-                <a:solidFill>
-                  <a:srgbClr val="FF0000"/>
-                </a:solidFill>
-                <a:latin typeface="Courier"/>
-                <a:cs typeface="Courier"/>
-              </a:rPr>
-              <a:t>-d</a:t>
-            </a:r>
-            <a:r>
-              <a:rPr lang="en-US" dirty="0" smtClean="0"/>
-              <a:t> </a:t>
-            </a:r>
-            <a:r>
-              <a:rPr lang="en-US" i="1" dirty="0" smtClean="0"/>
-              <a:t>target</a:t>
-            </a:r>
-            <a:r>
-              <a:rPr lang="en-US" dirty="0" smtClean="0"/>
-              <a:t>: What dependencies need to be fulfilled to build the target?</a:t>
-            </a:r>
-          </a:p>
-          <a:p>
-            <a:r>
-              <a:rPr lang="en-US" dirty="0" smtClean="0">
-                <a:latin typeface="Courier"/>
-                <a:cs typeface="Courier"/>
-              </a:rPr>
-              <a:t>make </a:t>
-            </a:r>
-            <a:r>
-              <a:rPr lang="en-US" b="1" dirty="0" smtClean="0">
-                <a:solidFill>
-                  <a:srgbClr val="FF0000"/>
-                </a:solidFill>
-                <a:latin typeface="Courier"/>
-                <a:cs typeface="Courier"/>
-              </a:rPr>
-              <a:t>–j N</a:t>
-            </a:r>
-            <a:r>
-              <a:rPr lang="en-US" dirty="0" smtClean="0"/>
-              <a:t> </a:t>
-            </a:r>
-            <a:r>
-              <a:rPr lang="en-US" i="1" dirty="0" smtClean="0"/>
-              <a:t>target</a:t>
-            </a:r>
-            <a:r>
-              <a:rPr lang="en-US" dirty="0" smtClean="0"/>
-              <a:t>: Use N processors to build target</a:t>
-            </a:r>
-          </a:p>
-          <a:p>
-            <a:r>
-              <a:rPr lang="en-US" dirty="0">
-                <a:latin typeface="Courier"/>
-                <a:cs typeface="Courier"/>
-              </a:rPr>
-              <a:t>m</a:t>
-            </a:r>
-            <a:r>
-              <a:rPr lang="en-US" dirty="0" smtClean="0">
-                <a:latin typeface="Courier"/>
-                <a:cs typeface="Courier"/>
-              </a:rPr>
-              <a:t>ake</a:t>
-            </a:r>
-            <a:r>
-              <a:rPr lang="en-US" dirty="0" smtClean="0"/>
-              <a:t>: Build first rule in </a:t>
-            </a:r>
-            <a:r>
-              <a:rPr lang="en-US" dirty="0" err="1" smtClean="0"/>
-              <a:t>Makefile</a:t>
-            </a:r>
-            <a:endParaRPr lang="en-US" dirty="0" smtClean="0"/>
-          </a:p>
-          <a:p>
-            <a:r>
-              <a:rPr lang="en-US" dirty="0" smtClean="0">
-                <a:latin typeface="Courier"/>
-                <a:cs typeface="Courier"/>
-              </a:rPr>
-              <a:t>make –f </a:t>
-            </a:r>
-            <a:r>
-              <a:rPr lang="en-US" dirty="0" err="1" smtClean="0">
-                <a:latin typeface="Courier"/>
-                <a:cs typeface="Courier"/>
-              </a:rPr>
-              <a:t>my_makefile</a:t>
-            </a:r>
-            <a:r>
-              <a:rPr lang="en-US" dirty="0" smtClean="0"/>
-              <a:t>: Use </a:t>
-            </a:r>
-            <a:r>
-              <a:rPr lang="en-US" dirty="0" err="1" smtClean="0">
-                <a:latin typeface="Courier"/>
-                <a:cs typeface="Courier"/>
-              </a:rPr>
-              <a:t>my_makefile</a:t>
-            </a:r>
-            <a:r>
-              <a:rPr lang="en-US" dirty="0">
-                <a:latin typeface="Calibri"/>
-                <a:cs typeface="Calibri"/>
-              </a:rPr>
-              <a:t> </a:t>
-            </a:r>
-            <a:r>
-              <a:rPr lang="en-US" dirty="0" smtClean="0">
-                <a:latin typeface="Calibri"/>
-                <a:cs typeface="Calibri"/>
-              </a:rPr>
-              <a:t>in place of </a:t>
-            </a:r>
-            <a:r>
-              <a:rPr lang="en-US" dirty="0" err="1" smtClean="0">
-                <a:latin typeface="Calibri"/>
-                <a:cs typeface="Calibri"/>
-              </a:rPr>
-              <a:t>Makefile</a:t>
-            </a:r>
-            <a:endParaRPr lang="en-US" dirty="0" smtClean="0">
-              <a:latin typeface="Calibri"/>
-              <a:cs typeface="Calibri"/>
-            </a:endParaRPr>
-          </a:p>
-          <a:p>
-            <a:pPr marL="0" indent="0">
-              <a:buNone/>
-            </a:pPr>
-            <a:endParaRPr lang="en-US" dirty="0" smtClean="0"/>
-          </a:p>
-          <a:p>
-            <a:endParaRPr lang="en-US" i="1" dirty="0"/>
-          </a:p>
-        </p:txBody>
-      </p:sp>
-    </p:spTree>
-    <p:extLst>
-      <p:ext uri="{BB962C8B-B14F-4D97-AF65-F5344CB8AC3E}">
-        <p14:creationId xmlns:p14="http://schemas.microsoft.com/office/powerpoint/2010/main" val="3045776278"/>
-      </p:ext>
-    </p:extLst>
-  </p:cSld>
-  <p:clrMapOvr>
-    <a:masterClrMapping/>
-  </p:clrMapOvr>
+  <p:timing>
+    <p:tnLst>
+      <p:par>
+        <p:cTn xmlns:p14="http://schemas.microsoft.com/office/powerpoint/2010/main" id="1" dur="indefinite" restart="never" nodeType="tmRoot"/>
+      </p:par>
+    </p:tnLst>
+  </p:timing>
 </p:sld>
 </file>
 
@@ -6784,7 +7563,7 @@
             <a:pPr algn="l"/>
             <a:r>
               <a:rPr lang="en-US" b="1" dirty="0" smtClean="0"/>
-              <a:t>Resources</a:t>
+              <a:t>Other commands</a:t>
             </a:r>
             <a:endParaRPr lang="en-US" b="1" dirty="0"/>
           </a:p>
@@ -6800,53 +7579,190 @@
             <p:ph idx="1"/>
           </p:nvPr>
         </p:nvSpPr>
-        <p:spPr/>
-        <p:txBody>
-          <a:bodyPr/>
-          <a:lstStyle/>
-          <a:p>
+        <p:spPr>
+          <a:xfrm>
+            <a:off x="457200" y="1600200"/>
+            <a:ext cx="8229600" cy="5257800"/>
+          </a:xfrm>
+        </p:spPr>
+        <p:txBody>
+          <a:bodyPr>
+            <a:normAutofit/>
+          </a:bodyPr>
+          <a:lstStyle/>
+          <a:p>
+            <a:r>
+              <a:rPr lang="en-US" dirty="0" smtClean="0">
+                <a:latin typeface="Courier"/>
+                <a:cs typeface="Courier"/>
+              </a:rPr>
+              <a:t>make </a:t>
+            </a:r>
+            <a:r>
+              <a:rPr lang="en-US" b="1" dirty="0" smtClean="0">
+                <a:solidFill>
+                  <a:srgbClr val="FF0000"/>
+                </a:solidFill>
+                <a:latin typeface="Courier"/>
+                <a:cs typeface="Courier"/>
+              </a:rPr>
+              <a:t>-n</a:t>
+            </a:r>
+            <a:r>
+              <a:rPr lang="en-US" b="1" dirty="0" smtClean="0">
+                <a:solidFill>
+                  <a:srgbClr val="FF0000"/>
+                </a:solidFill>
+              </a:rPr>
+              <a:t> </a:t>
+            </a:r>
+            <a:r>
+              <a:rPr lang="en-US" i="1" dirty="0" smtClean="0"/>
+              <a:t>target</a:t>
+            </a:r>
             <a:r>
               <a:rPr lang="en-US" dirty="0" smtClean="0"/>
-              <a:t>Software carpentry: </a:t>
-            </a:r>
-          </a:p>
-          <a:p>
-            <a:pPr marL="0" indent="0">
-              <a:buNone/>
-            </a:pPr>
+              <a:t>: What commands will be run to build the target?</a:t>
+            </a:r>
+          </a:p>
+          <a:p>
+            <a:r>
+              <a:rPr lang="en-US" dirty="0" smtClean="0">
+                <a:latin typeface="Courier"/>
+                <a:cs typeface="Courier"/>
+              </a:rPr>
+              <a:t>make </a:t>
+            </a:r>
+            <a:r>
+              <a:rPr lang="en-US" b="1" dirty="0" smtClean="0">
+                <a:solidFill>
+                  <a:srgbClr val="FF0000"/>
+                </a:solidFill>
+                <a:latin typeface="Courier"/>
+                <a:cs typeface="Courier"/>
+              </a:rPr>
+              <a:t>-d</a:t>
+            </a:r>
             <a:r>
               <a:rPr lang="en-US" dirty="0" smtClean="0"/>
-              <a:t>http://</a:t>
+              <a:t> </a:t>
+            </a:r>
+            <a:r>
+              <a:rPr lang="en-US" i="1" dirty="0" smtClean="0"/>
+              <a:t>target</a:t>
+            </a:r>
+            <a:r>
+              <a:rPr lang="en-US" dirty="0" smtClean="0"/>
+              <a:t>: What dependencies need to be fulfilled to build the target?</a:t>
+            </a:r>
+          </a:p>
+          <a:p>
+            <a:r>
+              <a:rPr lang="en-US" dirty="0" smtClean="0">
+                <a:latin typeface="Courier"/>
+                <a:cs typeface="Courier"/>
+              </a:rPr>
+              <a:t>make </a:t>
+            </a:r>
+            <a:r>
+              <a:rPr lang="en-US" b="1" dirty="0" smtClean="0">
+                <a:solidFill>
+                  <a:srgbClr val="FF0000"/>
+                </a:solidFill>
+                <a:latin typeface="Courier"/>
+                <a:cs typeface="Courier"/>
+              </a:rPr>
+              <a:t>–j N</a:t>
+            </a:r>
+            <a:r>
+              <a:rPr lang="en-US" dirty="0" smtClean="0"/>
+              <a:t> </a:t>
+            </a:r>
+            <a:r>
+              <a:rPr lang="en-US" i="1" dirty="0" smtClean="0"/>
+              <a:t>target</a:t>
+            </a:r>
+            <a:r>
+              <a:rPr lang="en-US" dirty="0" smtClean="0"/>
+              <a:t>: Use N processors to build target</a:t>
+            </a:r>
+          </a:p>
+          <a:p>
+            <a:r>
+              <a:rPr lang="en-US" dirty="0">
+                <a:latin typeface="Courier"/>
+                <a:cs typeface="Courier"/>
+              </a:rPr>
+              <a:t>m</a:t>
+            </a:r>
+            <a:r>
+              <a:rPr lang="en-US" dirty="0" smtClean="0">
+                <a:latin typeface="Courier"/>
+                <a:cs typeface="Courier"/>
+              </a:rPr>
+              <a:t>ake</a:t>
+            </a:r>
+            <a:r>
+              <a:rPr lang="en-US" dirty="0" smtClean="0"/>
+              <a:t>: Build first rule in </a:t>
             </a:r>
             <a:r>
               <a:rPr lang="en-US" dirty="0" err="1" smtClean="0"/>
-              <a:t>swcarpentry.github.io</a:t>
+              <a:t>Makefile</a:t>
+            </a:r>
+            <a:endParaRPr lang="en-US" dirty="0" smtClean="0"/>
+          </a:p>
+          <a:p>
+            <a:r>
+              <a:rPr lang="en-US" dirty="0" smtClean="0">
+                <a:latin typeface="Courier"/>
+                <a:cs typeface="Courier"/>
+              </a:rPr>
+              <a:t>make –f </a:t>
+            </a:r>
+            <a:r>
+              <a:rPr lang="en-US" dirty="0" err="1" smtClean="0">
+                <a:latin typeface="Courier"/>
+                <a:cs typeface="Courier"/>
+              </a:rPr>
+              <a:t>my_makefile</a:t>
             </a:r>
             <a:r>
               <a:rPr lang="en-US" dirty="0" smtClean="0"/>
-              <a:t>/make-novice/</a:t>
-            </a:r>
-          </a:p>
-          <a:p>
-            <a:endParaRPr lang="en-US" dirty="0" smtClean="0"/>
-          </a:p>
-          <a:p>
-            <a:r>
-              <a:rPr lang="en-US" dirty="0" smtClean="0"/>
-              <a:t>GNU make:</a:t>
-            </a:r>
-          </a:p>
-          <a:p>
-            <a:pPr marL="0" indent="0">
-              <a:buNone/>
-            </a:pPr>
+              <a:t>: Use </a:t>
+            </a:r>
+            <a:r>
+              <a:rPr lang="en-US" dirty="0" err="1" smtClean="0">
+                <a:latin typeface="Courier"/>
+                <a:cs typeface="Courier"/>
+              </a:rPr>
+              <a:t>my_makefile</a:t>
+            </a:r>
+            <a:r>
+              <a:rPr lang="en-US" dirty="0">
+                <a:latin typeface="Calibri"/>
+                <a:cs typeface="Calibri"/>
+              </a:rPr>
+              <a:t> </a:t>
+            </a:r>
             <a:r>
               <a:rPr lang="en-US" dirty="0" smtClean="0">
-                <a:hlinkClick r:id="rId2"/>
+                <a:latin typeface="Calibri"/>
+                <a:cs typeface="Calibri"/>
               </a:rPr>
-              <a:t>https://www.gnu.org/software/make/manual/</a:t>
-            </a:r>
-            <a:endParaRPr lang="en-US" dirty="0" smtClean="0"/>
+              <a:t>in place of </a:t>
+            </a:r>
+            <a:r>
+              <a:rPr lang="en-US" dirty="0" err="1" smtClean="0">
+                <a:latin typeface="Calibri"/>
+                <a:cs typeface="Calibri"/>
+              </a:rPr>
+              <a:t>Makefile</a:t>
+            </a:r>
+            <a:endParaRPr lang="en-US" dirty="0" smtClean="0">
+              <a:latin typeface="Calibri"/>
+              <a:cs typeface="Calibri"/>
+            </a:endParaRPr>
           </a:p>
           <a:p>
             <a:pPr marL="0" indent="0">
@@ -6855,24 +7771,27 @@
             <a:endParaRPr lang="en-US" dirty="0" smtClean="0"/>
           </a:p>
           <a:p>
-            <a:r>
-              <a:rPr lang="en-US" smtClean="0"/>
-              <a:t>StackOverflow</a:t>
-            </a:r>
-            <a:endParaRPr lang="en-US" dirty="0"/>
+            <a:endParaRPr lang="en-US" i="1" dirty="0"/>
           </a:p>
         </p:txBody>
       </p:sp>
     </p:spTree>
     <p:extLst>
       <p:ext uri="{BB962C8B-B14F-4D97-AF65-F5344CB8AC3E}">
-        <p14:creationId xmlns:p14="http://schemas.microsoft.com/office/powerpoint/2010/main" val="1851483789"/>
+        <p14:creationId xmlns:p14="http://schemas.microsoft.com/office/powerpoint/2010/main" val="3045776278"/>
       </p:ext>
     </p:extLst>
   </p:cSld>
   <p:clrMapOvr>
     <a:masterClrMapping/>
   </p:clrMapOvr>
+  <p:timing>
+    <p:tnLst>
+      <p:par>
+        <p:cTn xmlns:p14="http://schemas.microsoft.com/office/powerpoint/2010/main" id="1" dur="indefinite" restart="never" nodeType="tmRoot"/>
+      </p:par>
+    </p:tnLst>
+  </p:timing>
 </p:sld>
 </file>
 
@@ -6911,7 +7830,7 @@
             <a:pPr algn="l"/>
             <a:r>
               <a:rPr lang="en-US" b="1" dirty="0" smtClean="0"/>
-              <a:t>Holy Grail</a:t>
+              <a:t>Resources</a:t>
             </a:r>
             <a:endParaRPr lang="en-US" b="1" dirty="0"/>
           </a:p>
@@ -6927,50 +7846,248 @@
             <p:ph idx="1"/>
           </p:nvPr>
         </p:nvSpPr>
-        <p:spPr>
-          <a:xfrm>
-            <a:off x="324280" y="2640469"/>
-            <a:ext cx="8458284" cy="1588154"/>
-          </a:xfrm>
-        </p:spPr>
-        <p:txBody>
-          <a:bodyPr>
-            <a:normAutofit/>
-          </a:bodyPr>
-          <a:lstStyle/>
+        <p:spPr/>
+        <p:txBody>
+          <a:bodyPr/>
+          <a:lstStyle/>
+          <a:p>
+            <a:r>
+              <a:rPr lang="en-US" dirty="0" smtClean="0"/>
+              <a:t>Software carpentry: </a:t>
+            </a:r>
+          </a:p>
           <a:p>
             <a:pPr marL="0" indent="0">
               <a:buNone/>
             </a:pPr>
             <a:r>
-              <a:rPr lang="en-US" sz="2000" dirty="0" smtClean="0">
+              <a:rPr lang="en-US" dirty="0" smtClean="0"/>
+              <a:t>http://</a:t>
+            </a:r>
+            <a:r>
+              <a:rPr lang="en-US" dirty="0" err="1" smtClean="0"/>
+              <a:t>swcarpentry.github.io</a:t>
+            </a:r>
+            <a:r>
+              <a:rPr lang="en-US" dirty="0" smtClean="0"/>
+              <a:t>/make-novice/</a:t>
+            </a:r>
+          </a:p>
+          <a:p>
+            <a:endParaRPr lang="en-US" dirty="0" smtClean="0"/>
+          </a:p>
+          <a:p>
+            <a:r>
+              <a:rPr lang="en-US" dirty="0" smtClean="0"/>
+              <a:t>GNU make:</a:t>
+            </a:r>
+          </a:p>
+          <a:p>
+            <a:pPr marL="0" indent="0">
+              <a:buNone/>
+            </a:pPr>
+            <a:r>
+              <a:rPr lang="en-US" dirty="0" smtClean="0">
+                <a:hlinkClick r:id="rId2"/>
+              </a:rPr>
+              <a:t>https://www.gnu.org/software/make/manual/</a:t>
+            </a:r>
+            <a:endParaRPr lang="en-US" dirty="0" smtClean="0"/>
+          </a:p>
+          <a:p>
+            <a:pPr marL="0" indent="0">
+              <a:buNone/>
+            </a:pPr>
+            <a:endParaRPr lang="en-US" dirty="0" smtClean="0"/>
+          </a:p>
+          <a:p>
+            <a:r>
+              <a:rPr lang="en-US" smtClean="0"/>
+              <a:t>StackOverflow</a:t>
+            </a:r>
+            <a:endParaRPr lang="en-US" dirty="0"/>
+          </a:p>
+        </p:txBody>
+      </p:sp>
+    </p:spTree>
+    <p:extLst>
+      <p:ext uri="{BB962C8B-B14F-4D97-AF65-F5344CB8AC3E}">
+        <p14:creationId xmlns:p14="http://schemas.microsoft.com/office/powerpoint/2010/main" val="1851483789"/>
+      </p:ext>
+    </p:extLst>
+  </p:cSld>
+  <p:clrMapOvr>
+    <a:masterClrMapping/>
+  </p:clrMapOvr>
+  <p:timing>
+    <p:tnLst>
+      <p:par>
+        <p:cTn xmlns:p14="http://schemas.microsoft.com/office/powerpoint/2010/main" id="1" dur="indefinite" restart="never" nodeType="tmRoot"/>
+      </p:par>
+    </p:tnLst>
+  </p:timing>
+</p:sld>
+</file>
+
+<file path=ppt/slides/slide25.xml><?xml version="1.0" encoding="utf-8"?>
+<p:sld xmlns:a="http://schemas.openxmlformats.org/drawingml/2006/main" xmlns:r="http://schemas.openxmlformats.org/officeDocument/2006/relationships" xmlns:p="http://schemas.openxmlformats.org/presentationml/2006/main">
+  <p:cSld>
+    <p:spTree>
+      <p:nvGrpSpPr>
+        <p:cNvPr id="1" name=""/>
+        <p:cNvGrpSpPr/>
+        <p:nvPr/>
+      </p:nvGrpSpPr>
+      <p:grpSpPr>
+        <a:xfrm>
+          <a:off x="0" y="0"/>
+          <a:ext cx="0" cy="0"/>
+          <a:chOff x="0" y="0"/>
+          <a:chExt cx="0" cy="0"/>
+        </a:xfrm>
+      </p:grpSpPr>
+      <p:sp>
+        <p:nvSpPr>
+          <p:cNvPr id="2" name="Title 1"/>
+          <p:cNvSpPr>
+            <a:spLocks noGrp="1"/>
+          </p:cNvSpPr>
+          <p:nvPr>
+            <p:ph type="title"/>
+          </p:nvPr>
+        </p:nvSpPr>
+        <p:spPr/>
+        <p:txBody>
+          <a:bodyPr/>
+          <a:lstStyle/>
+          <a:p>
+            <a:pPr algn="l"/>
+            <a:r>
+              <a:rPr lang="en-US" b="1" dirty="0" smtClean="0"/>
+              <a:t>Holy Grail</a:t>
+            </a:r>
+            <a:endParaRPr lang="en-US" b="1" dirty="0"/>
+          </a:p>
+        </p:txBody>
+      </p:sp>
+      <p:sp>
+        <p:nvSpPr>
+          <p:cNvPr id="3" name="Content Placeholder 2"/>
+          <p:cNvSpPr>
+            <a:spLocks noGrp="1"/>
+          </p:cNvSpPr>
+          <p:nvPr>
+            <p:ph idx="1"/>
+          </p:nvPr>
+        </p:nvSpPr>
+        <p:spPr>
+          <a:xfrm>
+            <a:off x="229696" y="2640469"/>
+            <a:ext cx="8819720" cy="2101532"/>
+          </a:xfrm>
+        </p:spPr>
+        <p:txBody>
+          <a:bodyPr>
+            <a:normAutofit fontScale="62500" lnSpcReduction="20000"/>
+          </a:bodyPr>
+          <a:lstStyle/>
+          <a:p>
+            <a:pPr marL="0" indent="0">
+              <a:buNone/>
+            </a:pPr>
+            <a:r>
+              <a:rPr lang="en-US" sz="3400" dirty="0" smtClean="0">
                 <a:latin typeface="Courier"/>
                 <a:cs typeface="Courier"/>
               </a:rPr>
               <a:t>$ </a:t>
             </a:r>
             <a:r>
-              <a:rPr lang="en-US" sz="2000" dirty="0" err="1" smtClean="0">
+              <a:rPr lang="en-US" sz="3400" dirty="0" err="1" smtClean="0">
                 <a:latin typeface="Courier"/>
                 <a:cs typeface="Courier"/>
               </a:rPr>
               <a:t>git</a:t>
             </a:r>
             <a:r>
-              <a:rPr lang="en-US" sz="2000" dirty="0" smtClean="0">
+              <a:rPr lang="en-US" sz="3400" dirty="0" smtClean="0">
                 <a:latin typeface="Courier"/>
                 <a:cs typeface="Courier"/>
               </a:rPr>
               <a:t> clone </a:t>
             </a:r>
             <a:r>
-              <a:rPr lang="en-US" sz="2000" dirty="0" smtClean="0">
+              <a:rPr lang="en-US" sz="3400" dirty="0" smtClean="0">
                 <a:latin typeface="Courier"/>
                 <a:cs typeface="Courier"/>
                 <a:hlinkClick r:id="rId2"/>
               </a:rPr>
               <a:t>git@github.com:pschloss/make_tutorial.git</a:t>
             </a:r>
+            <a:endParaRPr lang="en-US" sz="3400" dirty="0" smtClean="0">
+              <a:latin typeface="Courier"/>
+              <a:cs typeface="Courier"/>
+            </a:endParaRPr>
+          </a:p>
+          <a:p>
+            <a:pPr marL="0" indent="0">
+              <a:buNone/>
+            </a:pPr>
+            <a:r>
+              <a:rPr lang="en-US" sz="3400" dirty="0" smtClean="0">
+                <a:latin typeface="Courier"/>
+                <a:cs typeface="Courier"/>
+              </a:rPr>
+              <a:t>$ cd </a:t>
+            </a:r>
+            <a:r>
+              <a:rPr lang="en-US" sz="3400" dirty="0" err="1" smtClean="0">
+                <a:latin typeface="Courier"/>
+                <a:cs typeface="Courier"/>
+              </a:rPr>
+              <a:t>make_tutorial</a:t>
+            </a:r>
+            <a:endParaRPr lang="en-US" sz="3400" dirty="0" smtClean="0">
+              <a:latin typeface="Courier"/>
+              <a:cs typeface="Courier"/>
+            </a:endParaRPr>
+          </a:p>
+          <a:p>
+            <a:pPr marL="0" indent="0">
+              <a:buNone/>
+            </a:pPr>
+            <a:r>
+              <a:rPr lang="en-US" sz="3400" dirty="0" smtClean="0">
+                <a:latin typeface="Courier"/>
+                <a:cs typeface="Courier"/>
+              </a:rPr>
+              <a:t>$ make clean; make </a:t>
+            </a:r>
+            <a:r>
+              <a:rPr lang="en-US" sz="3400" dirty="0" err="1" smtClean="0">
+                <a:latin typeface="Courier"/>
+                <a:cs typeface="Courier"/>
+              </a:rPr>
+              <a:t>family_report.html</a:t>
+            </a:r>
+            <a:endParaRPr lang="en-US" sz="3400" dirty="0" smtClean="0">
+              <a:latin typeface="Courier"/>
+              <a:cs typeface="Courier"/>
+            </a:endParaRPr>
+          </a:p>
+          <a:p>
+            <a:pPr marL="0" indent="0">
+              <a:buNone/>
+            </a:pPr>
+            <a:endParaRPr lang="en-US" sz="2000" dirty="0">
+              <a:latin typeface="Courier"/>
+              <a:cs typeface="Courier"/>
+            </a:endParaRPr>
+          </a:p>
+          <a:p>
+            <a:pPr marL="0" indent="0">
+              <a:buNone/>
+            </a:pPr>
             <a:endParaRPr lang="en-US" sz="2000" dirty="0" smtClean="0">
               <a:latin typeface="Courier"/>
               <a:cs typeface="Courier"/>
@@ -6981,45 +8098,15 @@
               <a:buNone/>
             </a:pPr>
             <a:r>
-              <a:rPr lang="en-US" sz="2000" dirty="0" smtClean="0">
-                <a:latin typeface="Courier"/>
-                <a:cs typeface="Courier"/>
+              <a:rPr lang="is-IS" sz="5400" dirty="0" smtClean="0">
+                <a:latin typeface="Calibri"/>
+                <a:cs typeface="Calibri"/>
               </a:rPr>
-              <a:t>$ cd </a:t>
-            </a:r>
-            <a:r>
-              <a:rPr lang="en-US" sz="2000" dirty="0" err="1" smtClean="0">
-                <a:latin typeface="Courier"/>
-                <a:cs typeface="Courier"/>
-              </a:rPr>
-              <a:t>make_tutorial</a:t>
-            </a:r>
-            <a:endParaRPr lang="en-US" sz="2000" dirty="0" smtClean="0">
-              <a:latin typeface="Courier"/>
-              <a:cs typeface="Courier"/>
-            </a:endParaRPr>
-          </a:p>
-          <a:p>
-            <a:pPr marL="0" indent="0">
-              <a:buNone/>
-            </a:pPr>
-            <a:r>
-              <a:rPr lang="en-US" sz="2000" dirty="0" smtClean="0">
-                <a:latin typeface="Courier"/>
-                <a:cs typeface="Courier"/>
-              </a:rPr>
-              <a:t>$ make clean; make </a:t>
-            </a:r>
-            <a:r>
-              <a:rPr lang="en-US" sz="2000" dirty="0" err="1" smtClean="0">
-                <a:latin typeface="Courier"/>
-                <a:cs typeface="Courier"/>
-              </a:rPr>
-              <a:t>family_report.html</a:t>
-            </a:r>
-            <a:endParaRPr lang="en-US" sz="2000" dirty="0">
-              <a:latin typeface="Courier"/>
-              <a:cs typeface="Courier"/>
+              <a:t>						… and it just works (for you too!)</a:t>
+            </a:r>
+            <a:endParaRPr lang="en-US" sz="5400" dirty="0">
+              <a:latin typeface="Calibri"/>
+              <a:cs typeface="Calibri"/>
             </a:endParaRPr>
           </a:p>
         </p:txBody>
@@ -7034,6 +8121,13 @@
   <p:clrMapOvr>
     <a:masterClrMapping/>
   </p:clrMapOvr>
+  <p:timing>
+    <p:tnLst>
+      <p:par>
+        <p:cTn xmlns:p14="http://schemas.microsoft.com/office/powerpoint/2010/main" id="1" dur="indefinite" restart="never" nodeType="tmRoot"/>
+      </p:par>
+    </p:tnLst>
+  </p:timing>
 </p:sld>
 </file>
 
@@ -7555,7 +8649,15 @@
           <a:p>
             <a:r>
               <a:rPr lang="en-US" dirty="0" smtClean="0"/>
-              <a:t>Numerous GNU make knock offs</a:t>
+              <a:t>Numerous </a:t>
+            </a:r>
+            <a:r>
+              <a:rPr lang="en-US" dirty="0" smtClean="0"/>
+              <a:t>knock </a:t>
+            </a:r>
+            <a:r>
+              <a:rPr lang="en-US" dirty="0" smtClean="0"/>
+              <a:t>offs</a:t>
             </a:r>
             <a:endParaRPr lang="en-US" dirty="0"/>
           </a:p>

--- a/talk.pptx
+++ b/talk.pptx
@@ -3991,6 +3991,13 @@
   <p:clrMapOvr>
     <a:masterClrMapping/>
   </p:clrMapOvr>
+  <p:timing>
+    <p:tnLst>
+      <p:par>
+        <p:cTn xmlns:p14="http://schemas.microsoft.com/office/powerpoint/2010/main" id="1" dur="indefinite" restart="never" nodeType="tmRoot"/>
+      </p:par>
+    </p:tnLst>
+  </p:timing>
 </p:sld>
 </file>
 
@@ -7082,6 +7089,13 @@
   <p:clrMapOvr>
     <a:masterClrMapping/>
   </p:clrMapOvr>
+  <p:timing>
+    <p:tnLst>
+      <p:par>
+        <p:cTn xmlns:p14="http://schemas.microsoft.com/office/powerpoint/2010/main" id="1" dur="indefinite" restart="never" nodeType="tmRoot"/>
+      </p:par>
+    </p:tnLst>
+  </p:timing>
 </p:sld>
 </file>
 
@@ -8182,6 +8196,13 @@
   <p:clrMapOvr>
     <a:masterClrMapping/>
   </p:clrMapOvr>
+  <p:timing>
+    <p:tnLst>
+      <p:par>
+        <p:cTn xmlns:p14="http://schemas.microsoft.com/office/powerpoint/2010/main" id="1" dur="indefinite" restart="never" nodeType="tmRoot"/>
+      </p:par>
+    </p:tnLst>
+  </p:timing>
 </p:sld>
 </file>
 
@@ -8348,6 +8369,13 @@
   <p:clrMapOvr>
     <a:masterClrMapping/>
   </p:clrMapOvr>
+  <p:timing>
+    <p:tnLst>
+      <p:par>
+        <p:cTn xmlns:p14="http://schemas.microsoft.com/office/powerpoint/2010/main" id="1" dur="indefinite" restart="never" nodeType="tmRoot"/>
+      </p:par>
+    </p:tnLst>
+  </p:timing>
 </p:sld>
 </file>
 
@@ -8436,6 +8464,13 @@
   <p:clrMapOvr>
     <a:masterClrMapping/>
   </p:clrMapOvr>
+  <p:timing>
+    <p:tnLst>
+      <p:par>
+        <p:cTn xmlns:p14="http://schemas.microsoft.com/office/powerpoint/2010/main" id="1" dur="indefinite" restart="never" nodeType="tmRoot"/>
+      </p:par>
+    </p:tnLst>
+  </p:timing>
 </p:sld>
 </file>
 
